--- a/참고자료/네트워크설계_template.pptx
+++ b/참고자료/네트워크설계_template.pptx
@@ -324,7 +324,7 @@
                 <a:tabLst/>
                 <a:defRPr/>
               </a:pPr>
-              <a:t>2019-09-27</a:t>
+              <a:t>2019-10-14</a:t>
             </a:fld>
             <a:endParaRPr kumimoji="0" lang="ko-KR" altLang="en-US" sz="1200" b="0" i="0" u="none" strike="noStrike" kern="1200" cap="none" spc="0" normalizeH="0" baseline="0" noProof="0">
               <a:ln>
@@ -694,7 +694,7 @@
                 <a:tabLst/>
                 <a:defRPr/>
               </a:pPr>
-              <a:t>2019-09-27</a:t>
+              <a:t>2019-10-14</a:t>
             </a:fld>
             <a:endParaRPr kumimoji="0" lang="ko-KR" altLang="en-US" sz="1200" b="0" i="0" u="none" strike="noStrike" kern="1200" cap="none" spc="0" normalizeH="0" baseline="0" noProof="0">
               <a:ln>
@@ -1064,7 +1064,7 @@
                 <a:tabLst/>
                 <a:defRPr/>
               </a:pPr>
-              <a:t>2019-09-27</a:t>
+              <a:t>2019-10-14</a:t>
             </a:fld>
             <a:endParaRPr kumimoji="0" lang="ko-KR" altLang="en-US" sz="1200" b="0" i="0" u="none" strike="noStrike" kern="1200" cap="none" spc="0" normalizeH="0" baseline="0" noProof="0">
               <a:ln>
@@ -1466,7 +1466,7 @@
                 <a:tabLst/>
                 <a:defRPr/>
               </a:pPr>
-              <a:t>2019-09-27</a:t>
+              <a:t>2019-10-14</a:t>
             </a:fld>
             <a:endParaRPr kumimoji="0" lang="ko-KR" altLang="en-US" sz="1200" b="0" i="0" u="none" strike="noStrike" kern="1200" cap="none" spc="0" normalizeH="0" baseline="0" noProof="0">
               <a:ln>
@@ -1932,7 +1932,7 @@
                 <a:tabLst/>
                 <a:defRPr/>
               </a:pPr>
-              <a:t>2019-09-27</a:t>
+              <a:t>2019-10-14</a:t>
             </a:fld>
             <a:endParaRPr kumimoji="0" lang="ko-KR" altLang="en-US" sz="1200" b="0" i="0" u="none" strike="noStrike" kern="1200" cap="none" spc="0" normalizeH="0" baseline="0" noProof="0">
               <a:ln>
@@ -2362,7 +2362,7 @@
                 <a:tabLst/>
                 <a:defRPr/>
               </a:pPr>
-              <a:t>2019-09-27</a:t>
+              <a:t>2019-10-14</a:t>
             </a:fld>
             <a:endParaRPr kumimoji="0" lang="ko-KR" altLang="en-US" sz="1200" b="0" i="0" u="none" strike="noStrike" kern="1200" cap="none" spc="0" normalizeH="0" baseline="0" noProof="0">
               <a:ln>
@@ -2928,7 +2928,7 @@
                 <a:tabLst/>
                 <a:defRPr/>
               </a:pPr>
-              <a:t>2019-09-27</a:t>
+              <a:t>2019-10-14</a:t>
             </a:fld>
             <a:endParaRPr kumimoji="0" lang="ko-KR" altLang="en-US" sz="1200" b="0" i="0" u="none" strike="noStrike" kern="1200" cap="none" spc="0" normalizeH="0" baseline="0" noProof="0">
               <a:ln>
@@ -3238,7 +3238,7 @@
                 <a:tabLst/>
                 <a:defRPr/>
               </a:pPr>
-              <a:t>2019-09-27</a:t>
+              <a:t>2019-10-14</a:t>
             </a:fld>
             <a:endParaRPr kumimoji="0" lang="ko-KR" altLang="en-US" sz="1200" b="0" i="0" u="none" strike="noStrike" kern="1200" cap="none" spc="0" normalizeH="0" baseline="0" noProof="0">
               <a:ln>
@@ -3517,7 +3517,7 @@
                 <a:tabLst/>
                 <a:defRPr/>
               </a:pPr>
-              <a:t>2019-09-27</a:t>
+              <a:t>2019-10-14</a:t>
             </a:fld>
             <a:endParaRPr kumimoji="0" lang="ko-KR" altLang="en-US" sz="1200" b="0" i="0" u="none" strike="noStrike" kern="1200" cap="none" spc="0" normalizeH="0" baseline="0" noProof="0">
               <a:ln>
@@ -3987,7 +3987,7 @@
                 <a:tabLst/>
                 <a:defRPr/>
               </a:pPr>
-              <a:t>2019-09-27</a:t>
+              <a:t>2019-10-14</a:t>
             </a:fld>
             <a:endParaRPr kumimoji="0" lang="ko-KR" altLang="en-US" sz="1200" b="0" i="0" u="none" strike="noStrike" kern="1200" cap="none" spc="0" normalizeH="0" baseline="0" noProof="0">
               <a:ln>
@@ -4437,7 +4437,7 @@
                 <a:tabLst/>
                 <a:defRPr/>
               </a:pPr>
-              <a:t>2019-09-27</a:t>
+              <a:t>2019-10-14</a:t>
             </a:fld>
             <a:endParaRPr kumimoji="0" lang="ko-KR" altLang="en-US" sz="1200" b="0" i="0" u="none" strike="noStrike" kern="1200" cap="none" spc="0" normalizeH="0" baseline="0" noProof="0">
               <a:ln>
@@ -4828,7 +4828,7 @@
                 <a:tabLst/>
                 <a:defRPr/>
               </a:pPr>
-              <a:t>2019-09-27</a:t>
+              <a:t>2019-10-14</a:t>
             </a:fld>
             <a:endParaRPr kumimoji="0" lang="ko-KR" altLang="en-US" sz="1200" b="0" i="0" u="none" strike="noStrike" kern="1200" cap="none" spc="0" normalizeH="0" baseline="0" noProof="0">
               <a:ln>
